--- a/ERD/erd.pptx
+++ b/ERD/erd.pptx
@@ -296,7 +296,7 @@
           <a:p>
             <a:fld id="{42799E89-37E7-4A1F-A6CF-06F265CE963F}" type="datetimeFigureOut">
               <a:rPr lang="ko-KR" altLang="en-US" smtClean="0"/>
-              <a:t>2020-11-17</a:t>
+              <a:t>2020-11-18</a:t>
             </a:fld>
             <a:endParaRPr lang="ko-KR" altLang="en-US"/>
           </a:p>
@@ -466,7 +466,7 @@
           <a:p>
             <a:fld id="{42799E89-37E7-4A1F-A6CF-06F265CE963F}" type="datetimeFigureOut">
               <a:rPr lang="ko-KR" altLang="en-US" smtClean="0"/>
-              <a:t>2020-11-17</a:t>
+              <a:t>2020-11-18</a:t>
             </a:fld>
             <a:endParaRPr lang="ko-KR" altLang="en-US"/>
           </a:p>
@@ -646,7 +646,7 @@
           <a:p>
             <a:fld id="{42799E89-37E7-4A1F-A6CF-06F265CE963F}" type="datetimeFigureOut">
               <a:rPr lang="ko-KR" altLang="en-US" smtClean="0"/>
-              <a:t>2020-11-17</a:t>
+              <a:t>2020-11-18</a:t>
             </a:fld>
             <a:endParaRPr lang="ko-KR" altLang="en-US"/>
           </a:p>
@@ -816,7 +816,7 @@
           <a:p>
             <a:fld id="{42799E89-37E7-4A1F-A6CF-06F265CE963F}" type="datetimeFigureOut">
               <a:rPr lang="ko-KR" altLang="en-US" smtClean="0"/>
-              <a:t>2020-11-17</a:t>
+              <a:t>2020-11-18</a:t>
             </a:fld>
             <a:endParaRPr lang="ko-KR" altLang="en-US"/>
           </a:p>
@@ -1062,7 +1062,7 @@
           <a:p>
             <a:fld id="{42799E89-37E7-4A1F-A6CF-06F265CE963F}" type="datetimeFigureOut">
               <a:rPr lang="ko-KR" altLang="en-US" smtClean="0"/>
-              <a:t>2020-11-17</a:t>
+              <a:t>2020-11-18</a:t>
             </a:fld>
             <a:endParaRPr lang="ko-KR" altLang="en-US"/>
           </a:p>
@@ -1350,7 +1350,7 @@
           <a:p>
             <a:fld id="{42799E89-37E7-4A1F-A6CF-06F265CE963F}" type="datetimeFigureOut">
               <a:rPr lang="ko-KR" altLang="en-US" smtClean="0"/>
-              <a:t>2020-11-17</a:t>
+              <a:t>2020-11-18</a:t>
             </a:fld>
             <a:endParaRPr lang="ko-KR" altLang="en-US"/>
           </a:p>
@@ -1772,7 +1772,7 @@
           <a:p>
             <a:fld id="{42799E89-37E7-4A1F-A6CF-06F265CE963F}" type="datetimeFigureOut">
               <a:rPr lang="ko-KR" altLang="en-US" smtClean="0"/>
-              <a:t>2020-11-17</a:t>
+              <a:t>2020-11-18</a:t>
             </a:fld>
             <a:endParaRPr lang="ko-KR" altLang="en-US"/>
           </a:p>
@@ -1890,7 +1890,7 @@
           <a:p>
             <a:fld id="{42799E89-37E7-4A1F-A6CF-06F265CE963F}" type="datetimeFigureOut">
               <a:rPr lang="ko-KR" altLang="en-US" smtClean="0"/>
-              <a:t>2020-11-17</a:t>
+              <a:t>2020-11-18</a:t>
             </a:fld>
             <a:endParaRPr lang="ko-KR" altLang="en-US"/>
           </a:p>
@@ -1985,7 +1985,7 @@
           <a:p>
             <a:fld id="{42799E89-37E7-4A1F-A6CF-06F265CE963F}" type="datetimeFigureOut">
               <a:rPr lang="ko-KR" altLang="en-US" smtClean="0"/>
-              <a:t>2020-11-17</a:t>
+              <a:t>2020-11-18</a:t>
             </a:fld>
             <a:endParaRPr lang="ko-KR" altLang="en-US"/>
           </a:p>
@@ -2262,7 +2262,7 @@
           <a:p>
             <a:fld id="{42799E89-37E7-4A1F-A6CF-06F265CE963F}" type="datetimeFigureOut">
               <a:rPr lang="ko-KR" altLang="en-US" smtClean="0"/>
-              <a:t>2020-11-17</a:t>
+              <a:t>2020-11-18</a:t>
             </a:fld>
             <a:endParaRPr lang="ko-KR" altLang="en-US"/>
           </a:p>
@@ -2515,7 +2515,7 @@
           <a:p>
             <a:fld id="{42799E89-37E7-4A1F-A6CF-06F265CE963F}" type="datetimeFigureOut">
               <a:rPr lang="ko-KR" altLang="en-US" smtClean="0"/>
-              <a:t>2020-11-17</a:t>
+              <a:t>2020-11-18</a:t>
             </a:fld>
             <a:endParaRPr lang="ko-KR" altLang="en-US"/>
           </a:p>
@@ -2728,7 +2728,7 @@
           <a:p>
             <a:fld id="{42799E89-37E7-4A1F-A6CF-06F265CE963F}" type="datetimeFigureOut">
               <a:rPr lang="ko-KR" altLang="en-US" smtClean="0"/>
-              <a:t>2020-11-17</a:t>
+              <a:t>2020-11-18</a:t>
             </a:fld>
             <a:endParaRPr lang="ko-KR" altLang="en-US"/>
           </a:p>
@@ -3908,12 +3908,20 @@
           <a:p>
             <a:pPr algn="ctr"/>
             <a:r>
+              <a:rPr lang="ko-KR" altLang="en-US" sz="1000" dirty="0">
+                <a:solidFill>
+                  <a:schemeClr val="tx1"/>
+                </a:solidFill>
+              </a:rPr>
+              <a:t>개</a:t>
+            </a:r>
+            <a:r>
               <a:rPr lang="ko-KR" altLang="en-US" sz="1000" dirty="0" smtClean="0">
                 <a:solidFill>
                   <a:schemeClr val="tx1"/>
                 </a:solidFill>
               </a:rPr>
-              <a:t>객체 </a:t>
+              <a:t>체 </a:t>
             </a:r>
             <a:r>
               <a:rPr lang="en-US" altLang="ko-KR" sz="1000" dirty="0" smtClean="0">
@@ -12746,14 +12754,14 @@
           <a:p>
             <a:pPr algn="ctr"/>
             <a:r>
-              <a:rPr lang="ko-KR" altLang="en-US" sz="1200" b="1" dirty="0" err="1" smtClean="0">
+              <a:rPr lang="ko-KR" altLang="en-US" sz="1050" b="1" dirty="0" err="1" smtClean="0">
                 <a:solidFill>
                   <a:schemeClr val="tx1"/>
                 </a:solidFill>
               </a:rPr>
               <a:t>컨텐츠</a:t>
             </a:r>
-            <a:endParaRPr lang="ko-KR" altLang="en-US" sz="1200" b="1" dirty="0" smtClean="0">
+            <a:endParaRPr lang="ko-KR" altLang="en-US" sz="1050" b="1" dirty="0" smtClean="0">
               <a:solidFill>
                 <a:schemeClr val="tx1"/>
               </a:solidFill>
